--- a/EmbeddedWorkshop-24-PiBluetooth.pptx
+++ b/EmbeddedWorkshop-24-PiBluetooth.pptx
@@ -130,7 +130,7 @@
   </p:defaultTextStyle>
   <p:extLst>
     <p:ext uri="{EFAFB233-063F-42B5-8137-9DF3F51BA10A}">
-      <p15:sldGuideLst xmlns:p15="http://schemas.microsoft.com/office/powerpoint/2012/main"/>
+      <p15:sldGuideLst xmlns:p15="http://schemas.microsoft.com/office/powerpoint/2012/main" xmlns=""/>
     </p:ext>
   </p:extLst>
 </p:presentation>
@@ -218,7 +218,8 @@
           <a:p>
             <a:fld id="{3C92298D-9EDB-48DF-B0C5-8A2EA10FFED5}" type="datetimeFigureOut">
               <a:rPr lang="en-US" smtClean="0"/>
-              <a:t>6/24/2015</a:t>
+              <a:pPr/>
+              <a:t>29-Jul-17</a:t>
             </a:fld>
             <a:endParaRPr lang="en-US"/>
           </a:p>
@@ -377,6 +378,7 @@
           <a:p>
             <a:fld id="{5BCA9C95-D64C-4FD5-9DCA-1B4D4CB64C5F}" type="slidenum">
               <a:rPr lang="en-US" smtClean="0"/>
+              <a:pPr/>
               <a:t>‹#›</a:t>
             </a:fld>
             <a:endParaRPr lang="en-US"/>
@@ -386,7 +388,7 @@
     </p:spTree>
     <p:extLst>
       <p:ext uri="{BB962C8B-B14F-4D97-AF65-F5344CB8AC3E}">
-        <p14:creationId xmlns:p14="http://schemas.microsoft.com/office/powerpoint/2010/main" val="1135956462"/>
+        <p14:creationId xmlns:p14="http://schemas.microsoft.com/office/powerpoint/2010/main" xmlns="" val="1135956462"/>
       </p:ext>
     </p:extLst>
   </p:cSld>
@@ -551,6 +553,7 @@
           <a:p>
             <a:fld id="{5BCA9C95-D64C-4FD5-9DCA-1B4D4CB64C5F}" type="slidenum">
               <a:rPr lang="en-US" smtClean="0"/>
+              <a:pPr/>
               <a:t>1</a:t>
             </a:fld>
             <a:endParaRPr lang="en-US"/>
@@ -560,7 +563,7 @@
     </p:spTree>
     <p:extLst>
       <p:ext uri="{BB962C8B-B14F-4D97-AF65-F5344CB8AC3E}">
-        <p14:creationId xmlns:p14="http://schemas.microsoft.com/office/powerpoint/2010/main" val="2926168316"/>
+        <p14:creationId xmlns:p14="http://schemas.microsoft.com/office/powerpoint/2010/main" xmlns="" val="2926168316"/>
       </p:ext>
     </p:extLst>
   </p:cSld>
@@ -701,7 +704,8 @@
           <a:p>
             <a:fld id="{EDDD36BC-557A-4AD0-A736-04C1CCBD9344}" type="datetime1">
               <a:rPr lang="en-US" smtClean="0"/>
-              <a:t>6/24/2015</a:t>
+              <a:pPr/>
+              <a:t>29-Jul-17</a:t>
             </a:fld>
             <a:endParaRPr lang="en-US"/>
           </a:p>
@@ -747,6 +751,7 @@
           <a:p>
             <a:fld id="{69814CD2-567D-4BA4-AAC8-039EFA901B4A}" type="slidenum">
               <a:rPr lang="en-US" smtClean="0"/>
+              <a:pPr/>
               <a:t>‹#›</a:t>
             </a:fld>
             <a:endParaRPr lang="en-US"/>
@@ -756,7 +761,7 @@
     </p:spTree>
     <p:extLst>
       <p:ext uri="{BB962C8B-B14F-4D97-AF65-F5344CB8AC3E}">
-        <p14:creationId xmlns:p14="http://schemas.microsoft.com/office/powerpoint/2010/main" val="1127138101"/>
+        <p14:creationId xmlns:p14="http://schemas.microsoft.com/office/powerpoint/2010/main" xmlns="" val="1127138101"/>
       </p:ext>
     </p:extLst>
   </p:cSld>
@@ -875,7 +880,8 @@
           <a:p>
             <a:fld id="{99D636E1-2FD0-4845-BF94-42C541D5AA0E}" type="datetime1">
               <a:rPr lang="en-US" smtClean="0"/>
-              <a:t>6/24/2015</a:t>
+              <a:pPr/>
+              <a:t>29-Jul-17</a:t>
             </a:fld>
             <a:endParaRPr lang="en-US"/>
           </a:p>
@@ -921,6 +927,7 @@
           <a:p>
             <a:fld id="{69814CD2-567D-4BA4-AAC8-039EFA901B4A}" type="slidenum">
               <a:rPr lang="en-US" smtClean="0"/>
+              <a:pPr/>
               <a:t>‹#›</a:t>
             </a:fld>
             <a:endParaRPr lang="en-US"/>
@@ -930,7 +937,7 @@
     </p:spTree>
     <p:extLst>
       <p:ext uri="{BB962C8B-B14F-4D97-AF65-F5344CB8AC3E}">
-        <p14:creationId xmlns:p14="http://schemas.microsoft.com/office/powerpoint/2010/main" val="725316745"/>
+        <p14:creationId xmlns:p14="http://schemas.microsoft.com/office/powerpoint/2010/main" xmlns="" val="725316745"/>
       </p:ext>
     </p:extLst>
   </p:cSld>
@@ -1059,7 +1066,8 @@
           <a:p>
             <a:fld id="{05DFC26E-0FCC-424D-A8A8-F77677599ACB}" type="datetime1">
               <a:rPr lang="en-US" smtClean="0"/>
-              <a:t>6/24/2015</a:t>
+              <a:pPr/>
+              <a:t>29-Jul-17</a:t>
             </a:fld>
             <a:endParaRPr lang="en-US"/>
           </a:p>
@@ -1105,6 +1113,7 @@
           <a:p>
             <a:fld id="{69814CD2-567D-4BA4-AAC8-039EFA901B4A}" type="slidenum">
               <a:rPr lang="en-US" smtClean="0"/>
+              <a:pPr/>
               <a:t>‹#›</a:t>
             </a:fld>
             <a:endParaRPr lang="en-US"/>
@@ -1114,7 +1123,7 @@
     </p:spTree>
     <p:extLst>
       <p:ext uri="{BB962C8B-B14F-4D97-AF65-F5344CB8AC3E}">
-        <p14:creationId xmlns:p14="http://schemas.microsoft.com/office/powerpoint/2010/main" val="3074682827"/>
+        <p14:creationId xmlns:p14="http://schemas.microsoft.com/office/powerpoint/2010/main" xmlns="" val="3074682827"/>
       </p:ext>
     </p:extLst>
   </p:cSld>
@@ -1233,7 +1242,8 @@
           <a:p>
             <a:fld id="{2708D28B-9207-4311-BE20-302986917177}" type="datetime1">
               <a:rPr lang="en-US" smtClean="0"/>
-              <a:t>6/24/2015</a:t>
+              <a:pPr/>
+              <a:t>29-Jul-17</a:t>
             </a:fld>
             <a:endParaRPr lang="en-US"/>
           </a:p>
@@ -1279,6 +1289,7 @@
           <a:p>
             <a:fld id="{69814CD2-567D-4BA4-AAC8-039EFA901B4A}" type="slidenum">
               <a:rPr lang="en-US" smtClean="0"/>
+              <a:pPr/>
               <a:t>‹#›</a:t>
             </a:fld>
             <a:endParaRPr lang="en-US"/>
@@ -1288,7 +1299,7 @@
     </p:spTree>
     <p:extLst>
       <p:ext uri="{BB962C8B-B14F-4D97-AF65-F5344CB8AC3E}">
-        <p14:creationId xmlns:p14="http://schemas.microsoft.com/office/powerpoint/2010/main" val="3252430866"/>
+        <p14:creationId xmlns:p14="http://schemas.microsoft.com/office/powerpoint/2010/main" xmlns="" val="3252430866"/>
       </p:ext>
     </p:extLst>
   </p:cSld>
@@ -1483,7 +1494,8 @@
           <a:p>
             <a:fld id="{860EDE34-6930-4F07-9992-EC8423B349B5}" type="datetime1">
               <a:rPr lang="en-US" smtClean="0"/>
-              <a:t>6/24/2015</a:t>
+              <a:pPr/>
+              <a:t>29-Jul-17</a:t>
             </a:fld>
             <a:endParaRPr lang="en-US"/>
           </a:p>
@@ -1529,6 +1541,7 @@
           <a:p>
             <a:fld id="{69814CD2-567D-4BA4-AAC8-039EFA901B4A}" type="slidenum">
               <a:rPr lang="en-US" smtClean="0"/>
+              <a:pPr/>
               <a:t>‹#›</a:t>
             </a:fld>
             <a:endParaRPr lang="en-US"/>
@@ -1538,7 +1551,7 @@
     </p:spTree>
     <p:extLst>
       <p:ext uri="{BB962C8B-B14F-4D97-AF65-F5344CB8AC3E}">
-        <p14:creationId xmlns:p14="http://schemas.microsoft.com/office/powerpoint/2010/main" val="532733079"/>
+        <p14:creationId xmlns:p14="http://schemas.microsoft.com/office/powerpoint/2010/main" xmlns="" val="532733079"/>
       </p:ext>
     </p:extLst>
   </p:cSld>
@@ -1719,7 +1732,8 @@
           <a:p>
             <a:fld id="{8A04DDAA-DA6B-404A-906E-206A4361D5CF}" type="datetime1">
               <a:rPr lang="en-US" smtClean="0"/>
-              <a:t>6/24/2015</a:t>
+              <a:pPr/>
+              <a:t>29-Jul-17</a:t>
             </a:fld>
             <a:endParaRPr lang="en-US"/>
           </a:p>
@@ -1765,6 +1779,7 @@
           <a:p>
             <a:fld id="{69814CD2-567D-4BA4-AAC8-039EFA901B4A}" type="slidenum">
               <a:rPr lang="en-US" smtClean="0"/>
+              <a:pPr/>
               <a:t>‹#›</a:t>
             </a:fld>
             <a:endParaRPr lang="en-US"/>
@@ -1774,7 +1789,7 @@
     </p:spTree>
     <p:extLst>
       <p:ext uri="{BB962C8B-B14F-4D97-AF65-F5344CB8AC3E}">
-        <p14:creationId xmlns:p14="http://schemas.microsoft.com/office/powerpoint/2010/main" val="47901394"/>
+        <p14:creationId xmlns:p14="http://schemas.microsoft.com/office/powerpoint/2010/main" xmlns="" val="47901394"/>
       </p:ext>
     </p:extLst>
   </p:cSld>
@@ -2090,7 +2105,8 @@
           <a:p>
             <a:fld id="{F47B82F0-2026-4CD9-B624-8ED6324E2D2B}" type="datetime1">
               <a:rPr lang="en-US" smtClean="0"/>
-              <a:t>6/24/2015</a:t>
+              <a:pPr/>
+              <a:t>29-Jul-17</a:t>
             </a:fld>
             <a:endParaRPr lang="en-US"/>
           </a:p>
@@ -2136,6 +2152,7 @@
           <a:p>
             <a:fld id="{69814CD2-567D-4BA4-AAC8-039EFA901B4A}" type="slidenum">
               <a:rPr lang="en-US" smtClean="0"/>
+              <a:pPr/>
               <a:t>‹#›</a:t>
             </a:fld>
             <a:endParaRPr lang="en-US"/>
@@ -2145,7 +2162,7 @@
     </p:spTree>
     <p:extLst>
       <p:ext uri="{BB962C8B-B14F-4D97-AF65-F5344CB8AC3E}">
-        <p14:creationId xmlns:p14="http://schemas.microsoft.com/office/powerpoint/2010/main" val="953633637"/>
+        <p14:creationId xmlns:p14="http://schemas.microsoft.com/office/powerpoint/2010/main" xmlns="" val="953633637"/>
       </p:ext>
     </p:extLst>
   </p:cSld>
@@ -2212,7 +2229,8 @@
           <a:p>
             <a:fld id="{EA64F203-4479-4DC7-A9A4-7CFEA38744A3}" type="datetime1">
               <a:rPr lang="en-US" smtClean="0"/>
-              <a:t>6/24/2015</a:t>
+              <a:pPr/>
+              <a:t>29-Jul-17</a:t>
             </a:fld>
             <a:endParaRPr lang="en-US"/>
           </a:p>
@@ -2258,6 +2276,7 @@
           <a:p>
             <a:fld id="{69814CD2-567D-4BA4-AAC8-039EFA901B4A}" type="slidenum">
               <a:rPr lang="en-US" smtClean="0"/>
+              <a:pPr/>
               <a:t>‹#›</a:t>
             </a:fld>
             <a:endParaRPr lang="en-US"/>
@@ -2267,7 +2286,7 @@
     </p:spTree>
     <p:extLst>
       <p:ext uri="{BB962C8B-B14F-4D97-AF65-F5344CB8AC3E}">
-        <p14:creationId xmlns:p14="http://schemas.microsoft.com/office/powerpoint/2010/main" val="2225048615"/>
+        <p14:creationId xmlns:p14="http://schemas.microsoft.com/office/powerpoint/2010/main" xmlns="" val="2225048615"/>
       </p:ext>
     </p:extLst>
   </p:cSld>
@@ -2311,7 +2330,8 @@
           <a:p>
             <a:fld id="{4FE05928-A63D-487C-AC4D-70591B1797ED}" type="datetime1">
               <a:rPr lang="en-US" smtClean="0"/>
-              <a:t>6/24/2015</a:t>
+              <a:pPr/>
+              <a:t>29-Jul-17</a:t>
             </a:fld>
             <a:endParaRPr lang="en-US"/>
           </a:p>
@@ -2357,6 +2377,7 @@
           <a:p>
             <a:fld id="{69814CD2-567D-4BA4-AAC8-039EFA901B4A}" type="slidenum">
               <a:rPr lang="en-US" smtClean="0"/>
+              <a:pPr/>
               <a:t>‹#›</a:t>
             </a:fld>
             <a:endParaRPr lang="en-US"/>
@@ -2366,7 +2387,7 @@
     </p:spTree>
     <p:extLst>
       <p:ext uri="{BB962C8B-B14F-4D97-AF65-F5344CB8AC3E}">
-        <p14:creationId xmlns:p14="http://schemas.microsoft.com/office/powerpoint/2010/main" val="2301826568"/>
+        <p14:creationId xmlns:p14="http://schemas.microsoft.com/office/powerpoint/2010/main" xmlns="" val="2301826568"/>
       </p:ext>
     </p:extLst>
   </p:cSld>
@@ -2592,7 +2613,8 @@
           <a:p>
             <a:fld id="{4B50C354-6770-4EBD-826A-84D6CB3068F3}" type="datetime1">
               <a:rPr lang="en-US" smtClean="0"/>
-              <a:t>6/24/2015</a:t>
+              <a:pPr/>
+              <a:t>29-Jul-17</a:t>
             </a:fld>
             <a:endParaRPr lang="en-US"/>
           </a:p>
@@ -2638,6 +2660,7 @@
           <a:p>
             <a:fld id="{69814CD2-567D-4BA4-AAC8-039EFA901B4A}" type="slidenum">
               <a:rPr lang="en-US" smtClean="0"/>
+              <a:pPr/>
               <a:t>‹#›</a:t>
             </a:fld>
             <a:endParaRPr lang="en-US"/>
@@ -2647,7 +2670,7 @@
     </p:spTree>
     <p:extLst>
       <p:ext uri="{BB962C8B-B14F-4D97-AF65-F5344CB8AC3E}">
-        <p14:creationId xmlns:p14="http://schemas.microsoft.com/office/powerpoint/2010/main" val="1821621305"/>
+        <p14:creationId xmlns:p14="http://schemas.microsoft.com/office/powerpoint/2010/main" xmlns="" val="1821621305"/>
       </p:ext>
     </p:extLst>
   </p:cSld>
@@ -2849,7 +2872,8 @@
           <a:p>
             <a:fld id="{20EFABA4-89A4-4C8F-A847-C4BF7DC6E4DF}" type="datetime1">
               <a:rPr lang="en-US" smtClean="0"/>
-              <a:t>6/24/2015</a:t>
+              <a:pPr/>
+              <a:t>29-Jul-17</a:t>
             </a:fld>
             <a:endParaRPr lang="en-US"/>
           </a:p>
@@ -2895,6 +2919,7 @@
           <a:p>
             <a:fld id="{69814CD2-567D-4BA4-AAC8-039EFA901B4A}" type="slidenum">
               <a:rPr lang="en-US" smtClean="0"/>
+              <a:pPr/>
               <a:t>‹#›</a:t>
             </a:fld>
             <a:endParaRPr lang="en-US"/>
@@ -2904,7 +2929,7 @@
     </p:spTree>
     <p:extLst>
       <p:ext uri="{BB962C8B-B14F-4D97-AF65-F5344CB8AC3E}">
-        <p14:creationId xmlns:p14="http://schemas.microsoft.com/office/powerpoint/2010/main" val="3910190279"/>
+        <p14:creationId xmlns:p14="http://schemas.microsoft.com/office/powerpoint/2010/main" xmlns="" val="3910190279"/>
       </p:ext>
     </p:extLst>
   </p:cSld>
@@ -3066,7 +3091,8 @@
           <a:p>
             <a:fld id="{B665B57D-FC44-4273-8296-D5548EFDB1CF}" type="datetime1">
               <a:rPr lang="en-US" smtClean="0"/>
-              <a:t>6/24/2015</a:t>
+              <a:pPr/>
+              <a:t>29-Jul-17</a:t>
             </a:fld>
             <a:endParaRPr lang="en-US"/>
           </a:p>
@@ -3148,6 +3174,7 @@
           <a:p>
             <a:fld id="{69814CD2-567D-4BA4-AAC8-039EFA901B4A}" type="slidenum">
               <a:rPr lang="en-US" smtClean="0"/>
+              <a:pPr/>
               <a:t>‹#›</a:t>
             </a:fld>
             <a:endParaRPr lang="en-US"/>
@@ -3157,7 +3184,7 @@
     </p:spTree>
     <p:extLst>
       <p:ext uri="{BB962C8B-B14F-4D97-AF65-F5344CB8AC3E}">
-        <p14:creationId xmlns:p14="http://schemas.microsoft.com/office/powerpoint/2010/main" val="41393802"/>
+        <p14:creationId xmlns:p14="http://schemas.microsoft.com/office/powerpoint/2010/main" xmlns="" val="41393802"/>
       </p:ext>
     </p:extLst>
   </p:cSld>
@@ -3522,7 +3549,17 @@
           <a:p>
             <a:r>
               <a:rPr lang="en-US" dirty="0" smtClean="0"/>
-              <a:t>Bluetooth and the Raspberry Pi</a:t>
+              <a:t>Bluetooth and the Raspberry </a:t>
+            </a:r>
+            <a:r>
+              <a:rPr lang="en-US" dirty="0" smtClean="0"/>
+              <a:t>Pi</a:t>
+            </a:r>
+          </a:p>
+          <a:p>
+            <a:r>
+              <a:rPr lang="en-US" smtClean="0"/>
+              <a:t>bnbnbnb</a:t>
             </a:r>
             <a:endParaRPr lang="en-US" dirty="0"/>
           </a:p>
@@ -3568,6 +3605,7 @@
           <a:p>
             <a:fld id="{69814CD2-567D-4BA4-AAC8-039EFA901B4A}" type="slidenum">
               <a:rPr lang="en-US" smtClean="0"/>
+              <a:pPr/>
               <a:t>1</a:t>
             </a:fld>
             <a:endParaRPr lang="en-US"/>
@@ -3577,7 +3615,7 @@
     </p:spTree>
     <p:extLst>
       <p:ext uri="{BB962C8B-B14F-4D97-AF65-F5344CB8AC3E}">
-        <p14:creationId xmlns:p14="http://schemas.microsoft.com/office/powerpoint/2010/main" val="1941981202"/>
+        <p14:creationId xmlns:p14="http://schemas.microsoft.com/office/powerpoint/2010/main" xmlns="" val="1941981202"/>
       </p:ext>
     </p:extLst>
   </p:cSld>
@@ -3709,6 +3747,7 @@
           <a:p>
             <a:fld id="{69814CD2-567D-4BA4-AAC8-039EFA901B4A}" type="slidenum">
               <a:rPr lang="en-US" smtClean="0"/>
+              <a:pPr/>
               <a:t>10</a:t>
             </a:fld>
             <a:endParaRPr lang="en-US"/>
@@ -3718,7 +3757,7 @@
     </p:spTree>
     <p:extLst>
       <p:ext uri="{BB962C8B-B14F-4D97-AF65-F5344CB8AC3E}">
-        <p14:creationId xmlns:p14="http://schemas.microsoft.com/office/powerpoint/2010/main" val="2017308531"/>
+        <p14:creationId xmlns:p14="http://schemas.microsoft.com/office/powerpoint/2010/main" xmlns="" val="2017308531"/>
       </p:ext>
     </p:extLst>
   </p:cSld>
@@ -3890,6 +3929,7 @@
           <a:p>
             <a:fld id="{69814CD2-567D-4BA4-AAC8-039EFA901B4A}" type="slidenum">
               <a:rPr lang="en-US" smtClean="0"/>
+              <a:pPr/>
               <a:t>11</a:t>
             </a:fld>
             <a:endParaRPr lang="en-US"/>
@@ -3899,7 +3939,7 @@
     </p:spTree>
     <p:extLst>
       <p:ext uri="{BB962C8B-B14F-4D97-AF65-F5344CB8AC3E}">
-        <p14:creationId xmlns:p14="http://schemas.microsoft.com/office/powerpoint/2010/main" val="1486655085"/>
+        <p14:creationId xmlns:p14="http://schemas.microsoft.com/office/powerpoint/2010/main" xmlns="" val="1486655085"/>
       </p:ext>
     </p:extLst>
   </p:cSld>
@@ -4127,6 +4167,7 @@
           <a:p>
             <a:fld id="{69814CD2-567D-4BA4-AAC8-039EFA901B4A}" type="slidenum">
               <a:rPr lang="en-US" smtClean="0"/>
+              <a:pPr/>
               <a:t>12</a:t>
             </a:fld>
             <a:endParaRPr lang="en-US"/>
@@ -4136,7 +4177,7 @@
     </p:spTree>
     <p:extLst>
       <p:ext uri="{BB962C8B-B14F-4D97-AF65-F5344CB8AC3E}">
-        <p14:creationId xmlns:p14="http://schemas.microsoft.com/office/powerpoint/2010/main" val="508579078"/>
+        <p14:creationId xmlns:p14="http://schemas.microsoft.com/office/powerpoint/2010/main" xmlns="" val="508579078"/>
       </p:ext>
     </p:extLst>
   </p:cSld>
@@ -4402,6 +4443,7 @@
           <a:p>
             <a:fld id="{69814CD2-567D-4BA4-AAC8-039EFA901B4A}" type="slidenum">
               <a:rPr lang="en-US" smtClean="0"/>
+              <a:pPr/>
               <a:t>13</a:t>
             </a:fld>
             <a:endParaRPr lang="en-US"/>
@@ -4411,7 +4453,7 @@
     </p:spTree>
     <p:extLst>
       <p:ext uri="{BB962C8B-B14F-4D97-AF65-F5344CB8AC3E}">
-        <p14:creationId xmlns:p14="http://schemas.microsoft.com/office/powerpoint/2010/main" val="4040865442"/>
+        <p14:creationId xmlns:p14="http://schemas.microsoft.com/office/powerpoint/2010/main" xmlns="" val="4040865442"/>
       </p:ext>
     </p:extLst>
   </p:cSld>
@@ -4598,6 +4640,7 @@
           <a:p>
             <a:fld id="{69814CD2-567D-4BA4-AAC8-039EFA901B4A}" type="slidenum">
               <a:rPr lang="en-US" smtClean="0"/>
+              <a:pPr/>
               <a:t>14</a:t>
             </a:fld>
             <a:endParaRPr lang="en-US"/>
@@ -4607,7 +4650,7 @@
     </p:spTree>
     <p:extLst>
       <p:ext uri="{BB962C8B-B14F-4D97-AF65-F5344CB8AC3E}">
-        <p14:creationId xmlns:p14="http://schemas.microsoft.com/office/powerpoint/2010/main" val="2849132824"/>
+        <p14:creationId xmlns:p14="http://schemas.microsoft.com/office/powerpoint/2010/main" xmlns="" val="2849132824"/>
       </p:ext>
     </p:extLst>
   </p:cSld>
@@ -4784,6 +4827,7 @@
           <a:p>
             <a:fld id="{69814CD2-567D-4BA4-AAC8-039EFA901B4A}" type="slidenum">
               <a:rPr lang="en-US" smtClean="0"/>
+              <a:pPr/>
               <a:t>15</a:t>
             </a:fld>
             <a:endParaRPr lang="en-US"/>
@@ -4793,7 +4837,7 @@
     </p:spTree>
     <p:extLst>
       <p:ext uri="{BB962C8B-B14F-4D97-AF65-F5344CB8AC3E}">
-        <p14:creationId xmlns:p14="http://schemas.microsoft.com/office/powerpoint/2010/main" val="2584317330"/>
+        <p14:creationId xmlns:p14="http://schemas.microsoft.com/office/powerpoint/2010/main" xmlns="" val="2584317330"/>
       </p:ext>
     </p:extLst>
   </p:cSld>
@@ -5114,6 +5158,7 @@
           <a:p>
             <a:fld id="{69814CD2-567D-4BA4-AAC8-039EFA901B4A}" type="slidenum">
               <a:rPr lang="en-US" smtClean="0"/>
+              <a:pPr/>
               <a:t>16</a:t>
             </a:fld>
             <a:endParaRPr lang="en-US"/>
@@ -5123,7 +5168,7 @@
     </p:spTree>
     <p:extLst>
       <p:ext uri="{BB962C8B-B14F-4D97-AF65-F5344CB8AC3E}">
-        <p14:creationId xmlns:p14="http://schemas.microsoft.com/office/powerpoint/2010/main" val="531185944"/>
+        <p14:creationId xmlns:p14="http://schemas.microsoft.com/office/powerpoint/2010/main" xmlns="" val="531185944"/>
       </p:ext>
     </p:extLst>
   </p:cSld>
@@ -5341,6 +5386,7 @@
           <a:p>
             <a:fld id="{69814CD2-567D-4BA4-AAC8-039EFA901B4A}" type="slidenum">
               <a:rPr lang="en-US" smtClean="0"/>
+              <a:pPr/>
               <a:t>17</a:t>
             </a:fld>
             <a:endParaRPr lang="en-US"/>
@@ -5350,7 +5396,7 @@
     </p:spTree>
     <p:extLst>
       <p:ext uri="{BB962C8B-B14F-4D97-AF65-F5344CB8AC3E}">
-        <p14:creationId xmlns:p14="http://schemas.microsoft.com/office/powerpoint/2010/main" val="782082746"/>
+        <p14:creationId xmlns:p14="http://schemas.microsoft.com/office/powerpoint/2010/main" xmlns="" val="782082746"/>
       </p:ext>
     </p:extLst>
   </p:cSld>
@@ -5491,6 +5537,7 @@
           <a:p>
             <a:fld id="{69814CD2-567D-4BA4-AAC8-039EFA901B4A}" type="slidenum">
               <a:rPr lang="en-US" smtClean="0"/>
+              <a:pPr/>
               <a:t>18</a:t>
             </a:fld>
             <a:endParaRPr lang="en-US"/>
@@ -5500,7 +5547,7 @@
     </p:spTree>
     <p:extLst>
       <p:ext uri="{BB962C8B-B14F-4D97-AF65-F5344CB8AC3E}">
-        <p14:creationId xmlns:p14="http://schemas.microsoft.com/office/powerpoint/2010/main" val="752327009"/>
+        <p14:creationId xmlns:p14="http://schemas.microsoft.com/office/powerpoint/2010/main" xmlns="" val="752327009"/>
       </p:ext>
     </p:extLst>
   </p:cSld>
@@ -5842,6 +5889,7 @@
           <a:p>
             <a:fld id="{69814CD2-567D-4BA4-AAC8-039EFA901B4A}" type="slidenum">
               <a:rPr lang="en-US" smtClean="0"/>
+              <a:pPr/>
               <a:t>19</a:t>
             </a:fld>
             <a:endParaRPr lang="en-US"/>
@@ -5851,7 +5899,7 @@
     </p:spTree>
     <p:extLst>
       <p:ext uri="{BB962C8B-B14F-4D97-AF65-F5344CB8AC3E}">
-        <p14:creationId xmlns:p14="http://schemas.microsoft.com/office/powerpoint/2010/main" val="2540822986"/>
+        <p14:creationId xmlns:p14="http://schemas.microsoft.com/office/powerpoint/2010/main" xmlns="" val="2540822986"/>
       </p:ext>
     </p:extLst>
   </p:cSld>
@@ -5992,6 +6040,7 @@
           <a:p>
             <a:fld id="{69814CD2-567D-4BA4-AAC8-039EFA901B4A}" type="slidenum">
               <a:rPr lang="en-US" smtClean="0"/>
+              <a:pPr/>
               <a:t>2</a:t>
             </a:fld>
             <a:endParaRPr lang="en-US"/>
@@ -6001,7 +6050,7 @@
     </p:spTree>
     <p:extLst>
       <p:ext uri="{BB962C8B-B14F-4D97-AF65-F5344CB8AC3E}">
-        <p14:creationId xmlns:p14="http://schemas.microsoft.com/office/powerpoint/2010/main" val="567497801"/>
+        <p14:creationId xmlns:p14="http://schemas.microsoft.com/office/powerpoint/2010/main" xmlns="" val="567497801"/>
       </p:ext>
     </p:extLst>
   </p:cSld>
@@ -6133,6 +6182,7 @@
           <a:p>
             <a:fld id="{69814CD2-567D-4BA4-AAC8-039EFA901B4A}" type="slidenum">
               <a:rPr lang="en-US" smtClean="0"/>
+              <a:pPr/>
               <a:t>20</a:t>
             </a:fld>
             <a:endParaRPr lang="en-US"/>
@@ -6142,7 +6192,7 @@
     </p:spTree>
     <p:extLst>
       <p:ext uri="{BB962C8B-B14F-4D97-AF65-F5344CB8AC3E}">
-        <p14:creationId xmlns:p14="http://schemas.microsoft.com/office/powerpoint/2010/main" val="1720540694"/>
+        <p14:creationId xmlns:p14="http://schemas.microsoft.com/office/powerpoint/2010/main" xmlns="" val="1720540694"/>
       </p:ext>
     </p:extLst>
   </p:cSld>
@@ -6292,6 +6342,7 @@
           <a:p>
             <a:fld id="{69814CD2-567D-4BA4-AAC8-039EFA901B4A}" type="slidenum">
               <a:rPr lang="en-US" smtClean="0"/>
+              <a:pPr/>
               <a:t>21</a:t>
             </a:fld>
             <a:endParaRPr lang="en-US"/>
@@ -6301,7 +6352,7 @@
     </p:spTree>
     <p:extLst>
       <p:ext uri="{BB962C8B-B14F-4D97-AF65-F5344CB8AC3E}">
-        <p14:creationId xmlns:p14="http://schemas.microsoft.com/office/powerpoint/2010/main" val="23416161"/>
+        <p14:creationId xmlns:p14="http://schemas.microsoft.com/office/powerpoint/2010/main" xmlns="" val="23416161"/>
       </p:ext>
     </p:extLst>
   </p:cSld>
@@ -6441,6 +6492,7 @@
           <a:p>
             <a:fld id="{69814CD2-567D-4BA4-AAC8-039EFA901B4A}" type="slidenum">
               <a:rPr lang="en-US" smtClean="0"/>
+              <a:pPr/>
               <a:t>22</a:t>
             </a:fld>
             <a:endParaRPr lang="en-US"/>
@@ -6450,7 +6502,7 @@
     </p:spTree>
     <p:extLst>
       <p:ext uri="{BB962C8B-B14F-4D97-AF65-F5344CB8AC3E}">
-        <p14:creationId xmlns:p14="http://schemas.microsoft.com/office/powerpoint/2010/main" val="3401110329"/>
+        <p14:creationId xmlns:p14="http://schemas.microsoft.com/office/powerpoint/2010/main" xmlns="" val="3401110329"/>
       </p:ext>
     </p:extLst>
   </p:cSld>
@@ -6914,6 +6966,7 @@
           <a:p>
             <a:fld id="{69814CD2-567D-4BA4-AAC8-039EFA901B4A}" type="slidenum">
               <a:rPr lang="en-US" smtClean="0"/>
+              <a:pPr/>
               <a:t>3</a:t>
             </a:fld>
             <a:endParaRPr lang="en-US"/>
@@ -6923,7 +6976,7 @@
     </p:spTree>
     <p:extLst>
       <p:ext uri="{BB962C8B-B14F-4D97-AF65-F5344CB8AC3E}">
-        <p14:creationId xmlns:p14="http://schemas.microsoft.com/office/powerpoint/2010/main" val="1861438526"/>
+        <p14:creationId xmlns:p14="http://schemas.microsoft.com/office/powerpoint/2010/main" xmlns="" val="1861438526"/>
       </p:ext>
     </p:extLst>
   </p:cSld>
@@ -7072,6 +7125,7 @@
           <a:p>
             <a:fld id="{69814CD2-567D-4BA4-AAC8-039EFA901B4A}" type="slidenum">
               <a:rPr lang="en-US" smtClean="0"/>
+              <a:pPr/>
               <a:t>4</a:t>
             </a:fld>
             <a:endParaRPr lang="en-US"/>
@@ -7081,7 +7135,7 @@
     </p:spTree>
     <p:extLst>
       <p:ext uri="{BB962C8B-B14F-4D97-AF65-F5344CB8AC3E}">
-        <p14:creationId xmlns:p14="http://schemas.microsoft.com/office/powerpoint/2010/main" val="1919745688"/>
+        <p14:creationId xmlns:p14="http://schemas.microsoft.com/office/powerpoint/2010/main" xmlns="" val="1919745688"/>
       </p:ext>
     </p:extLst>
   </p:cSld>
@@ -7237,6 +7291,7 @@
           <a:p>
             <a:fld id="{69814CD2-567D-4BA4-AAC8-039EFA901B4A}" type="slidenum">
               <a:rPr lang="en-US" smtClean="0"/>
+              <a:pPr/>
               <a:t>5</a:t>
             </a:fld>
             <a:endParaRPr lang="en-US"/>
@@ -7246,7 +7301,7 @@
     </p:spTree>
     <p:extLst>
       <p:ext uri="{BB962C8B-B14F-4D97-AF65-F5344CB8AC3E}">
-        <p14:creationId xmlns:p14="http://schemas.microsoft.com/office/powerpoint/2010/main" val="447040597"/>
+        <p14:creationId xmlns:p14="http://schemas.microsoft.com/office/powerpoint/2010/main" xmlns="" val="447040597"/>
       </p:ext>
     </p:extLst>
   </p:cSld>
@@ -7546,6 +7601,7 @@
           <a:p>
             <a:fld id="{69814CD2-567D-4BA4-AAC8-039EFA901B4A}" type="slidenum">
               <a:rPr lang="en-US" smtClean="0"/>
+              <a:pPr/>
               <a:t>6</a:t>
             </a:fld>
             <a:endParaRPr lang="en-US"/>
@@ -7555,7 +7611,7 @@
     </p:spTree>
     <p:extLst>
       <p:ext uri="{BB962C8B-B14F-4D97-AF65-F5344CB8AC3E}">
-        <p14:creationId xmlns:p14="http://schemas.microsoft.com/office/powerpoint/2010/main" val="1161748522"/>
+        <p14:creationId xmlns:p14="http://schemas.microsoft.com/office/powerpoint/2010/main" xmlns="" val="1161748522"/>
       </p:ext>
     </p:extLst>
   </p:cSld>
@@ -7712,6 +7768,7 @@
           <a:p>
             <a:fld id="{69814CD2-567D-4BA4-AAC8-039EFA901B4A}" type="slidenum">
               <a:rPr lang="en-US" smtClean="0"/>
+              <a:pPr/>
               <a:t>7</a:t>
             </a:fld>
             <a:endParaRPr lang="en-US"/>
@@ -7721,7 +7778,7 @@
     </p:spTree>
     <p:extLst>
       <p:ext uri="{BB962C8B-B14F-4D97-AF65-F5344CB8AC3E}">
-        <p14:creationId xmlns:p14="http://schemas.microsoft.com/office/powerpoint/2010/main" val="3847742620"/>
+        <p14:creationId xmlns:p14="http://schemas.microsoft.com/office/powerpoint/2010/main" xmlns="" val="3847742620"/>
       </p:ext>
     </p:extLst>
   </p:cSld>
@@ -8054,6 +8111,7 @@
           <a:p>
             <a:fld id="{69814CD2-567D-4BA4-AAC8-039EFA901B4A}" type="slidenum">
               <a:rPr lang="en-US" smtClean="0"/>
+              <a:pPr/>
               <a:t>8</a:t>
             </a:fld>
             <a:endParaRPr lang="en-US"/>
@@ -8063,7 +8121,7 @@
     </p:spTree>
     <p:extLst>
       <p:ext uri="{BB962C8B-B14F-4D97-AF65-F5344CB8AC3E}">
-        <p14:creationId xmlns:p14="http://schemas.microsoft.com/office/powerpoint/2010/main" val="3261637153"/>
+        <p14:creationId xmlns:p14="http://schemas.microsoft.com/office/powerpoint/2010/main" xmlns="" val="3261637153"/>
       </p:ext>
     </p:extLst>
   </p:cSld>
@@ -8243,6 +8301,7 @@
           <a:p>
             <a:fld id="{69814CD2-567D-4BA4-AAC8-039EFA901B4A}" type="slidenum">
               <a:rPr lang="en-US" smtClean="0"/>
+              <a:pPr/>
               <a:t>9</a:t>
             </a:fld>
             <a:endParaRPr lang="en-US"/>
@@ -8252,7 +8311,7 @@
     </p:spTree>
     <p:extLst>
       <p:ext uri="{BB962C8B-B14F-4D97-AF65-F5344CB8AC3E}">
-        <p14:creationId xmlns:p14="http://schemas.microsoft.com/office/powerpoint/2010/main" val="2223907048"/>
+        <p14:creationId xmlns:p14="http://schemas.microsoft.com/office/powerpoint/2010/main" xmlns="" val="2223907048"/>
       </p:ext>
     </p:extLst>
   </p:cSld>
@@ -8312,7 +8371,7 @@
     </a:clrScheme>
     <a:fontScheme name="Office">
       <a:majorFont>
-        <a:latin typeface="Calibri Light" panose="020F0302020204030204"/>
+        <a:latin typeface="Calibri Light"/>
         <a:ea typeface=""/>
         <a:cs typeface=""/>
         <a:font script="Jpan" typeface="ＭＳ Ｐゴシック"/>
@@ -8347,7 +8406,7 @@
         <a:font script="Geor" typeface="Sylfaen"/>
       </a:majorFont>
       <a:minorFont>
-        <a:latin typeface="Calibri" panose="020F0502020204030204"/>
+        <a:latin typeface="Calibri"/>
         <a:ea typeface=""/>
         <a:cs typeface=""/>
         <a:font script="Jpan" typeface="ＭＳ Ｐゴシック"/>
@@ -8524,7 +8583,7 @@
   <a:extraClrSchemeLst/>
   <a:extLst>
     <a:ext uri="{05A4C25C-085E-4340-85A3-A5531E510DB2}">
-      <thm15:themeFamily xmlns:thm15="http://schemas.microsoft.com/office/thememl/2012/main" name="Office Theme" id="{62F939B6-93AF-4DB8-9C6B-D6C7DFDC589F}" vid="{4A3C46E8-61CC-4603-A589-7422A47A8E4A}"/>
+      <thm15:themeFamily xmlns:thm15="http://schemas.microsoft.com/office/thememl/2012/main" xmlns="" name="Office Theme" id="{62F939B6-93AF-4DB8-9C6B-D6C7DFDC589F}" vid="{4A3C46E8-61CC-4603-A589-7422A47A8E4A}"/>
     </a:ext>
   </a:extLst>
 </a:theme>
@@ -8573,7 +8632,7 @@
     </a:clrScheme>
     <a:fontScheme name="Office">
       <a:majorFont>
-        <a:latin typeface="Calibri Light" panose="020F0302020204030204"/>
+        <a:latin typeface="Calibri Light"/>
         <a:ea typeface=""/>
         <a:cs typeface=""/>
         <a:font script="Jpan" typeface="ＭＳ Ｐゴシック"/>
@@ -8608,7 +8667,7 @@
         <a:font script="Geor" typeface="Sylfaen"/>
       </a:majorFont>
       <a:minorFont>
-        <a:latin typeface="Calibri" panose="020F0502020204030204"/>
+        <a:latin typeface="Calibri"/>
         <a:ea typeface=""/>
         <a:cs typeface=""/>
         <a:font script="Jpan" typeface="ＭＳ Ｐゴシック"/>
@@ -8785,7 +8844,7 @@
   <a:extraClrSchemeLst/>
   <a:extLst>
     <a:ext uri="{05A4C25C-085E-4340-85A3-A5531E510DB2}">
-      <thm15:themeFamily xmlns:thm15="http://schemas.microsoft.com/office/thememl/2012/main" name="Office Theme" id="{62F939B6-93AF-4DB8-9C6B-D6C7DFDC589F}" vid="{4A3C46E8-61CC-4603-A589-7422A47A8E4A}"/>
+      <thm15:themeFamily xmlns:thm15="http://schemas.microsoft.com/office/thememl/2012/main" xmlns="" name="Office Theme" id="{62F939B6-93AF-4DB8-9C6B-D6C7DFDC589F}" vid="{4A3C46E8-61CC-4603-A589-7422A47A8E4A}"/>
     </a:ext>
   </a:extLst>
 </a:theme>

--- a/EmbeddedWorkshop-24-PiBluetooth.pptx
+++ b/EmbeddedWorkshop-24-PiBluetooth.pptx
@@ -130,7 +130,7 @@
   </p:defaultTextStyle>
   <p:extLst>
     <p:ext uri="{EFAFB233-063F-42B5-8137-9DF3F51BA10A}">
-      <p15:sldGuideLst xmlns:p15="http://schemas.microsoft.com/office/powerpoint/2012/main" xmlns=""/>
+      <p15:sldGuideLst xmlns="" xmlns:p15="http://schemas.microsoft.com/office/powerpoint/2012/main"/>
     </p:ext>
   </p:extLst>
 </p:presentation>
@@ -219,7 +219,7 @@
             <a:fld id="{3C92298D-9EDB-48DF-B0C5-8A2EA10FFED5}" type="datetimeFigureOut">
               <a:rPr lang="en-US" smtClean="0"/>
               <a:pPr/>
-              <a:t>29-Jul-17</a:t>
+              <a:t>25-Jan-18</a:t>
             </a:fld>
             <a:endParaRPr lang="en-US"/>
           </a:p>
@@ -388,7 +388,7 @@
     </p:spTree>
     <p:extLst>
       <p:ext uri="{BB962C8B-B14F-4D97-AF65-F5344CB8AC3E}">
-        <p14:creationId xmlns:p14="http://schemas.microsoft.com/office/powerpoint/2010/main" xmlns="" val="1135956462"/>
+        <p14:creationId xmlns:p14="http://schemas.microsoft.com/office/powerpoint/2010/main" val="1135956462"/>
       </p:ext>
     </p:extLst>
   </p:cSld>
@@ -563,7 +563,7 @@
     </p:spTree>
     <p:extLst>
       <p:ext uri="{BB962C8B-B14F-4D97-AF65-F5344CB8AC3E}">
-        <p14:creationId xmlns:p14="http://schemas.microsoft.com/office/powerpoint/2010/main" xmlns="" val="2926168316"/>
+        <p14:creationId xmlns:p14="http://schemas.microsoft.com/office/powerpoint/2010/main" val="2926168316"/>
       </p:ext>
     </p:extLst>
   </p:cSld>
@@ -705,7 +705,7 @@
             <a:fld id="{EDDD36BC-557A-4AD0-A736-04C1CCBD9344}" type="datetime1">
               <a:rPr lang="en-US" smtClean="0"/>
               <a:pPr/>
-              <a:t>29-Jul-17</a:t>
+              <a:t>25-Jan-18</a:t>
             </a:fld>
             <a:endParaRPr lang="en-US"/>
           </a:p>
@@ -761,7 +761,7 @@
     </p:spTree>
     <p:extLst>
       <p:ext uri="{BB962C8B-B14F-4D97-AF65-F5344CB8AC3E}">
-        <p14:creationId xmlns:p14="http://schemas.microsoft.com/office/powerpoint/2010/main" xmlns="" val="1127138101"/>
+        <p14:creationId xmlns:p14="http://schemas.microsoft.com/office/powerpoint/2010/main" val="1127138101"/>
       </p:ext>
     </p:extLst>
   </p:cSld>
@@ -881,7 +881,7 @@
             <a:fld id="{99D636E1-2FD0-4845-BF94-42C541D5AA0E}" type="datetime1">
               <a:rPr lang="en-US" smtClean="0"/>
               <a:pPr/>
-              <a:t>29-Jul-17</a:t>
+              <a:t>25-Jan-18</a:t>
             </a:fld>
             <a:endParaRPr lang="en-US"/>
           </a:p>
@@ -937,7 +937,7 @@
     </p:spTree>
     <p:extLst>
       <p:ext uri="{BB962C8B-B14F-4D97-AF65-F5344CB8AC3E}">
-        <p14:creationId xmlns:p14="http://schemas.microsoft.com/office/powerpoint/2010/main" xmlns="" val="725316745"/>
+        <p14:creationId xmlns:p14="http://schemas.microsoft.com/office/powerpoint/2010/main" val="725316745"/>
       </p:ext>
     </p:extLst>
   </p:cSld>
@@ -1067,7 +1067,7 @@
             <a:fld id="{05DFC26E-0FCC-424D-A8A8-F77677599ACB}" type="datetime1">
               <a:rPr lang="en-US" smtClean="0"/>
               <a:pPr/>
-              <a:t>29-Jul-17</a:t>
+              <a:t>25-Jan-18</a:t>
             </a:fld>
             <a:endParaRPr lang="en-US"/>
           </a:p>
@@ -1123,7 +1123,7 @@
     </p:spTree>
     <p:extLst>
       <p:ext uri="{BB962C8B-B14F-4D97-AF65-F5344CB8AC3E}">
-        <p14:creationId xmlns:p14="http://schemas.microsoft.com/office/powerpoint/2010/main" xmlns="" val="3074682827"/>
+        <p14:creationId xmlns:p14="http://schemas.microsoft.com/office/powerpoint/2010/main" val="3074682827"/>
       </p:ext>
     </p:extLst>
   </p:cSld>
@@ -1243,7 +1243,7 @@
             <a:fld id="{2708D28B-9207-4311-BE20-302986917177}" type="datetime1">
               <a:rPr lang="en-US" smtClean="0"/>
               <a:pPr/>
-              <a:t>29-Jul-17</a:t>
+              <a:t>25-Jan-18</a:t>
             </a:fld>
             <a:endParaRPr lang="en-US"/>
           </a:p>
@@ -1299,7 +1299,7 @@
     </p:spTree>
     <p:extLst>
       <p:ext uri="{BB962C8B-B14F-4D97-AF65-F5344CB8AC3E}">
-        <p14:creationId xmlns:p14="http://schemas.microsoft.com/office/powerpoint/2010/main" xmlns="" val="3252430866"/>
+        <p14:creationId xmlns:p14="http://schemas.microsoft.com/office/powerpoint/2010/main" val="3252430866"/>
       </p:ext>
     </p:extLst>
   </p:cSld>
@@ -1495,7 +1495,7 @@
             <a:fld id="{860EDE34-6930-4F07-9992-EC8423B349B5}" type="datetime1">
               <a:rPr lang="en-US" smtClean="0"/>
               <a:pPr/>
-              <a:t>29-Jul-17</a:t>
+              <a:t>25-Jan-18</a:t>
             </a:fld>
             <a:endParaRPr lang="en-US"/>
           </a:p>
@@ -1551,7 +1551,7 @@
     </p:spTree>
     <p:extLst>
       <p:ext uri="{BB962C8B-B14F-4D97-AF65-F5344CB8AC3E}">
-        <p14:creationId xmlns:p14="http://schemas.microsoft.com/office/powerpoint/2010/main" xmlns="" val="532733079"/>
+        <p14:creationId xmlns:p14="http://schemas.microsoft.com/office/powerpoint/2010/main" val="532733079"/>
       </p:ext>
     </p:extLst>
   </p:cSld>
@@ -1733,7 +1733,7 @@
             <a:fld id="{8A04DDAA-DA6B-404A-906E-206A4361D5CF}" type="datetime1">
               <a:rPr lang="en-US" smtClean="0"/>
               <a:pPr/>
-              <a:t>29-Jul-17</a:t>
+              <a:t>25-Jan-18</a:t>
             </a:fld>
             <a:endParaRPr lang="en-US"/>
           </a:p>
@@ -1789,7 +1789,7 @@
     </p:spTree>
     <p:extLst>
       <p:ext uri="{BB962C8B-B14F-4D97-AF65-F5344CB8AC3E}">
-        <p14:creationId xmlns:p14="http://schemas.microsoft.com/office/powerpoint/2010/main" xmlns="" val="47901394"/>
+        <p14:creationId xmlns:p14="http://schemas.microsoft.com/office/powerpoint/2010/main" val="47901394"/>
       </p:ext>
     </p:extLst>
   </p:cSld>
@@ -2106,7 +2106,7 @@
             <a:fld id="{F47B82F0-2026-4CD9-B624-8ED6324E2D2B}" type="datetime1">
               <a:rPr lang="en-US" smtClean="0"/>
               <a:pPr/>
-              <a:t>29-Jul-17</a:t>
+              <a:t>25-Jan-18</a:t>
             </a:fld>
             <a:endParaRPr lang="en-US"/>
           </a:p>
@@ -2162,7 +2162,7 @@
     </p:spTree>
     <p:extLst>
       <p:ext uri="{BB962C8B-B14F-4D97-AF65-F5344CB8AC3E}">
-        <p14:creationId xmlns:p14="http://schemas.microsoft.com/office/powerpoint/2010/main" xmlns="" val="953633637"/>
+        <p14:creationId xmlns:p14="http://schemas.microsoft.com/office/powerpoint/2010/main" val="953633637"/>
       </p:ext>
     </p:extLst>
   </p:cSld>
@@ -2230,7 +2230,7 @@
             <a:fld id="{EA64F203-4479-4DC7-A9A4-7CFEA38744A3}" type="datetime1">
               <a:rPr lang="en-US" smtClean="0"/>
               <a:pPr/>
-              <a:t>29-Jul-17</a:t>
+              <a:t>25-Jan-18</a:t>
             </a:fld>
             <a:endParaRPr lang="en-US"/>
           </a:p>
@@ -2286,7 +2286,7 @@
     </p:spTree>
     <p:extLst>
       <p:ext uri="{BB962C8B-B14F-4D97-AF65-F5344CB8AC3E}">
-        <p14:creationId xmlns:p14="http://schemas.microsoft.com/office/powerpoint/2010/main" xmlns="" val="2225048615"/>
+        <p14:creationId xmlns:p14="http://schemas.microsoft.com/office/powerpoint/2010/main" val="2225048615"/>
       </p:ext>
     </p:extLst>
   </p:cSld>
@@ -2331,7 +2331,7 @@
             <a:fld id="{4FE05928-A63D-487C-AC4D-70591B1797ED}" type="datetime1">
               <a:rPr lang="en-US" smtClean="0"/>
               <a:pPr/>
-              <a:t>29-Jul-17</a:t>
+              <a:t>25-Jan-18</a:t>
             </a:fld>
             <a:endParaRPr lang="en-US"/>
           </a:p>
@@ -2387,7 +2387,7 @@
     </p:spTree>
     <p:extLst>
       <p:ext uri="{BB962C8B-B14F-4D97-AF65-F5344CB8AC3E}">
-        <p14:creationId xmlns:p14="http://schemas.microsoft.com/office/powerpoint/2010/main" xmlns="" val="2301826568"/>
+        <p14:creationId xmlns:p14="http://schemas.microsoft.com/office/powerpoint/2010/main" val="2301826568"/>
       </p:ext>
     </p:extLst>
   </p:cSld>
@@ -2614,7 +2614,7 @@
             <a:fld id="{4B50C354-6770-4EBD-826A-84D6CB3068F3}" type="datetime1">
               <a:rPr lang="en-US" smtClean="0"/>
               <a:pPr/>
-              <a:t>29-Jul-17</a:t>
+              <a:t>25-Jan-18</a:t>
             </a:fld>
             <a:endParaRPr lang="en-US"/>
           </a:p>
@@ -2670,7 +2670,7 @@
     </p:spTree>
     <p:extLst>
       <p:ext uri="{BB962C8B-B14F-4D97-AF65-F5344CB8AC3E}">
-        <p14:creationId xmlns:p14="http://schemas.microsoft.com/office/powerpoint/2010/main" xmlns="" val="1821621305"/>
+        <p14:creationId xmlns:p14="http://schemas.microsoft.com/office/powerpoint/2010/main" val="1821621305"/>
       </p:ext>
     </p:extLst>
   </p:cSld>
@@ -2873,7 +2873,7 @@
             <a:fld id="{20EFABA4-89A4-4C8F-A847-C4BF7DC6E4DF}" type="datetime1">
               <a:rPr lang="en-US" smtClean="0"/>
               <a:pPr/>
-              <a:t>29-Jul-17</a:t>
+              <a:t>25-Jan-18</a:t>
             </a:fld>
             <a:endParaRPr lang="en-US"/>
           </a:p>
@@ -2929,7 +2929,7 @@
     </p:spTree>
     <p:extLst>
       <p:ext uri="{BB962C8B-B14F-4D97-AF65-F5344CB8AC3E}">
-        <p14:creationId xmlns:p14="http://schemas.microsoft.com/office/powerpoint/2010/main" xmlns="" val="3910190279"/>
+        <p14:creationId xmlns:p14="http://schemas.microsoft.com/office/powerpoint/2010/main" val="3910190279"/>
       </p:ext>
     </p:extLst>
   </p:cSld>
@@ -3092,7 +3092,7 @@
             <a:fld id="{B665B57D-FC44-4273-8296-D5548EFDB1CF}" type="datetime1">
               <a:rPr lang="en-US" smtClean="0"/>
               <a:pPr/>
-              <a:t>29-Jul-17</a:t>
+              <a:t>25-Jan-18</a:t>
             </a:fld>
             <a:endParaRPr lang="en-US"/>
           </a:p>
@@ -3184,7 +3184,7 @@
     </p:spTree>
     <p:extLst>
       <p:ext uri="{BB962C8B-B14F-4D97-AF65-F5344CB8AC3E}">
-        <p14:creationId xmlns:p14="http://schemas.microsoft.com/office/powerpoint/2010/main" xmlns="" val="41393802"/>
+        <p14:creationId xmlns:p14="http://schemas.microsoft.com/office/powerpoint/2010/main" val="41393802"/>
       </p:ext>
     </p:extLst>
   </p:cSld>
@@ -3520,7 +3520,11 @@
           <a:p>
             <a:r>
               <a:rPr lang="en-US" dirty="0" smtClean="0"/>
-              <a:t>Embedded Programming and Robotics</a:t>
+              <a:t>Embedded Programming and </a:t>
+            </a:r>
+            <a:r>
+              <a:rPr lang="en-US" smtClean="0"/>
+              <a:t>Roboticss</a:t>
             </a:r>
             <a:endParaRPr lang="en-US" dirty="0"/>
           </a:p>
@@ -3549,11 +3553,7 @@
           <a:p>
             <a:r>
               <a:rPr lang="en-US" dirty="0" smtClean="0"/>
-              <a:t>Bluetooth and the Raspberry </a:t>
-            </a:r>
-            <a:r>
-              <a:rPr lang="en-US" dirty="0" smtClean="0"/>
-              <a:t>Pi</a:t>
+              <a:t>Bluetooth and the Raspberry Pi</a:t>
             </a:r>
           </a:p>
           <a:p>
@@ -3615,7 +3615,7 @@
     </p:spTree>
     <p:extLst>
       <p:ext uri="{BB962C8B-B14F-4D97-AF65-F5344CB8AC3E}">
-        <p14:creationId xmlns:p14="http://schemas.microsoft.com/office/powerpoint/2010/main" xmlns="" val="1941981202"/>
+        <p14:creationId xmlns:p14="http://schemas.microsoft.com/office/powerpoint/2010/main" val="1941981202"/>
       </p:ext>
     </p:extLst>
   </p:cSld>
@@ -3757,7 +3757,7 @@
     </p:spTree>
     <p:extLst>
       <p:ext uri="{BB962C8B-B14F-4D97-AF65-F5344CB8AC3E}">
-        <p14:creationId xmlns:p14="http://schemas.microsoft.com/office/powerpoint/2010/main" xmlns="" val="2017308531"/>
+        <p14:creationId xmlns:p14="http://schemas.microsoft.com/office/powerpoint/2010/main" val="2017308531"/>
       </p:ext>
     </p:extLst>
   </p:cSld>
@@ -3939,7 +3939,7 @@
     </p:spTree>
     <p:extLst>
       <p:ext uri="{BB962C8B-B14F-4D97-AF65-F5344CB8AC3E}">
-        <p14:creationId xmlns:p14="http://schemas.microsoft.com/office/powerpoint/2010/main" xmlns="" val="1486655085"/>
+        <p14:creationId xmlns:p14="http://schemas.microsoft.com/office/powerpoint/2010/main" val="1486655085"/>
       </p:ext>
     </p:extLst>
   </p:cSld>
@@ -4177,7 +4177,7 @@
     </p:spTree>
     <p:extLst>
       <p:ext uri="{BB962C8B-B14F-4D97-AF65-F5344CB8AC3E}">
-        <p14:creationId xmlns:p14="http://schemas.microsoft.com/office/powerpoint/2010/main" xmlns="" val="508579078"/>
+        <p14:creationId xmlns:p14="http://schemas.microsoft.com/office/powerpoint/2010/main" val="508579078"/>
       </p:ext>
     </p:extLst>
   </p:cSld>
@@ -4453,7 +4453,7 @@
     </p:spTree>
     <p:extLst>
       <p:ext uri="{BB962C8B-B14F-4D97-AF65-F5344CB8AC3E}">
-        <p14:creationId xmlns:p14="http://schemas.microsoft.com/office/powerpoint/2010/main" xmlns="" val="4040865442"/>
+        <p14:creationId xmlns:p14="http://schemas.microsoft.com/office/powerpoint/2010/main" val="4040865442"/>
       </p:ext>
     </p:extLst>
   </p:cSld>
@@ -4650,7 +4650,7 @@
     </p:spTree>
     <p:extLst>
       <p:ext uri="{BB962C8B-B14F-4D97-AF65-F5344CB8AC3E}">
-        <p14:creationId xmlns:p14="http://schemas.microsoft.com/office/powerpoint/2010/main" xmlns="" val="2849132824"/>
+        <p14:creationId xmlns:p14="http://schemas.microsoft.com/office/powerpoint/2010/main" val="2849132824"/>
       </p:ext>
     </p:extLst>
   </p:cSld>
@@ -4837,7 +4837,7 @@
     </p:spTree>
     <p:extLst>
       <p:ext uri="{BB962C8B-B14F-4D97-AF65-F5344CB8AC3E}">
-        <p14:creationId xmlns:p14="http://schemas.microsoft.com/office/powerpoint/2010/main" xmlns="" val="2584317330"/>
+        <p14:creationId xmlns:p14="http://schemas.microsoft.com/office/powerpoint/2010/main" val="2584317330"/>
       </p:ext>
     </p:extLst>
   </p:cSld>
@@ -5168,7 +5168,7 @@
     </p:spTree>
     <p:extLst>
       <p:ext uri="{BB962C8B-B14F-4D97-AF65-F5344CB8AC3E}">
-        <p14:creationId xmlns:p14="http://schemas.microsoft.com/office/powerpoint/2010/main" xmlns="" val="531185944"/>
+        <p14:creationId xmlns:p14="http://schemas.microsoft.com/office/powerpoint/2010/main" val="531185944"/>
       </p:ext>
     </p:extLst>
   </p:cSld>
@@ -5396,7 +5396,7 @@
     </p:spTree>
     <p:extLst>
       <p:ext uri="{BB962C8B-B14F-4D97-AF65-F5344CB8AC3E}">
-        <p14:creationId xmlns:p14="http://schemas.microsoft.com/office/powerpoint/2010/main" xmlns="" val="782082746"/>
+        <p14:creationId xmlns:p14="http://schemas.microsoft.com/office/powerpoint/2010/main" val="782082746"/>
       </p:ext>
     </p:extLst>
   </p:cSld>
@@ -5547,7 +5547,7 @@
     </p:spTree>
     <p:extLst>
       <p:ext uri="{BB962C8B-B14F-4D97-AF65-F5344CB8AC3E}">
-        <p14:creationId xmlns:p14="http://schemas.microsoft.com/office/powerpoint/2010/main" xmlns="" val="752327009"/>
+        <p14:creationId xmlns:p14="http://schemas.microsoft.com/office/powerpoint/2010/main" val="752327009"/>
       </p:ext>
     </p:extLst>
   </p:cSld>
@@ -5899,7 +5899,7 @@
     </p:spTree>
     <p:extLst>
       <p:ext uri="{BB962C8B-B14F-4D97-AF65-F5344CB8AC3E}">
-        <p14:creationId xmlns:p14="http://schemas.microsoft.com/office/powerpoint/2010/main" xmlns="" val="2540822986"/>
+        <p14:creationId xmlns:p14="http://schemas.microsoft.com/office/powerpoint/2010/main" val="2540822986"/>
       </p:ext>
     </p:extLst>
   </p:cSld>
@@ -6050,7 +6050,7 @@
     </p:spTree>
     <p:extLst>
       <p:ext uri="{BB962C8B-B14F-4D97-AF65-F5344CB8AC3E}">
-        <p14:creationId xmlns:p14="http://schemas.microsoft.com/office/powerpoint/2010/main" xmlns="" val="567497801"/>
+        <p14:creationId xmlns:p14="http://schemas.microsoft.com/office/powerpoint/2010/main" val="567497801"/>
       </p:ext>
     </p:extLst>
   </p:cSld>
@@ -6192,7 +6192,7 @@
     </p:spTree>
     <p:extLst>
       <p:ext uri="{BB962C8B-B14F-4D97-AF65-F5344CB8AC3E}">
-        <p14:creationId xmlns:p14="http://schemas.microsoft.com/office/powerpoint/2010/main" xmlns="" val="1720540694"/>
+        <p14:creationId xmlns:p14="http://schemas.microsoft.com/office/powerpoint/2010/main" val="1720540694"/>
       </p:ext>
     </p:extLst>
   </p:cSld>
@@ -6352,7 +6352,7 @@
     </p:spTree>
     <p:extLst>
       <p:ext uri="{BB962C8B-B14F-4D97-AF65-F5344CB8AC3E}">
-        <p14:creationId xmlns:p14="http://schemas.microsoft.com/office/powerpoint/2010/main" xmlns="" val="23416161"/>
+        <p14:creationId xmlns:p14="http://schemas.microsoft.com/office/powerpoint/2010/main" val="23416161"/>
       </p:ext>
     </p:extLst>
   </p:cSld>
@@ -6502,7 +6502,7 @@
     </p:spTree>
     <p:extLst>
       <p:ext uri="{BB962C8B-B14F-4D97-AF65-F5344CB8AC3E}">
-        <p14:creationId xmlns:p14="http://schemas.microsoft.com/office/powerpoint/2010/main" xmlns="" val="3401110329"/>
+        <p14:creationId xmlns:p14="http://schemas.microsoft.com/office/powerpoint/2010/main" val="3401110329"/>
       </p:ext>
     </p:extLst>
   </p:cSld>
@@ -6976,7 +6976,7 @@
     </p:spTree>
     <p:extLst>
       <p:ext uri="{BB962C8B-B14F-4D97-AF65-F5344CB8AC3E}">
-        <p14:creationId xmlns:p14="http://schemas.microsoft.com/office/powerpoint/2010/main" xmlns="" val="1861438526"/>
+        <p14:creationId xmlns:p14="http://schemas.microsoft.com/office/powerpoint/2010/main" val="1861438526"/>
       </p:ext>
     </p:extLst>
   </p:cSld>
@@ -7135,7 +7135,7 @@
     </p:spTree>
     <p:extLst>
       <p:ext uri="{BB962C8B-B14F-4D97-AF65-F5344CB8AC3E}">
-        <p14:creationId xmlns:p14="http://schemas.microsoft.com/office/powerpoint/2010/main" xmlns="" val="1919745688"/>
+        <p14:creationId xmlns:p14="http://schemas.microsoft.com/office/powerpoint/2010/main" val="1919745688"/>
       </p:ext>
     </p:extLst>
   </p:cSld>
@@ -7301,7 +7301,7 @@
     </p:spTree>
     <p:extLst>
       <p:ext uri="{BB962C8B-B14F-4D97-AF65-F5344CB8AC3E}">
-        <p14:creationId xmlns:p14="http://schemas.microsoft.com/office/powerpoint/2010/main" xmlns="" val="447040597"/>
+        <p14:creationId xmlns:p14="http://schemas.microsoft.com/office/powerpoint/2010/main" val="447040597"/>
       </p:ext>
     </p:extLst>
   </p:cSld>
@@ -7611,7 +7611,7 @@
     </p:spTree>
     <p:extLst>
       <p:ext uri="{BB962C8B-B14F-4D97-AF65-F5344CB8AC3E}">
-        <p14:creationId xmlns:p14="http://schemas.microsoft.com/office/powerpoint/2010/main" xmlns="" val="1161748522"/>
+        <p14:creationId xmlns:p14="http://schemas.microsoft.com/office/powerpoint/2010/main" val="1161748522"/>
       </p:ext>
     </p:extLst>
   </p:cSld>
@@ -7778,7 +7778,7 @@
     </p:spTree>
     <p:extLst>
       <p:ext uri="{BB962C8B-B14F-4D97-AF65-F5344CB8AC3E}">
-        <p14:creationId xmlns:p14="http://schemas.microsoft.com/office/powerpoint/2010/main" xmlns="" val="3847742620"/>
+        <p14:creationId xmlns:p14="http://schemas.microsoft.com/office/powerpoint/2010/main" val="3847742620"/>
       </p:ext>
     </p:extLst>
   </p:cSld>
@@ -8121,7 +8121,7 @@
     </p:spTree>
     <p:extLst>
       <p:ext uri="{BB962C8B-B14F-4D97-AF65-F5344CB8AC3E}">
-        <p14:creationId xmlns:p14="http://schemas.microsoft.com/office/powerpoint/2010/main" xmlns="" val="3261637153"/>
+        <p14:creationId xmlns:p14="http://schemas.microsoft.com/office/powerpoint/2010/main" val="3261637153"/>
       </p:ext>
     </p:extLst>
   </p:cSld>
@@ -8311,7 +8311,7 @@
     </p:spTree>
     <p:extLst>
       <p:ext uri="{BB962C8B-B14F-4D97-AF65-F5344CB8AC3E}">
-        <p14:creationId xmlns:p14="http://schemas.microsoft.com/office/powerpoint/2010/main" xmlns="" val="2223907048"/>
+        <p14:creationId xmlns:p14="http://schemas.microsoft.com/office/powerpoint/2010/main" val="2223907048"/>
       </p:ext>
     </p:extLst>
   </p:cSld>
@@ -8583,7 +8583,7 @@
   <a:extraClrSchemeLst/>
   <a:extLst>
     <a:ext uri="{05A4C25C-085E-4340-85A3-A5531E510DB2}">
-      <thm15:themeFamily xmlns:thm15="http://schemas.microsoft.com/office/thememl/2012/main" xmlns="" name="Office Theme" id="{62F939B6-93AF-4DB8-9C6B-D6C7DFDC589F}" vid="{4A3C46E8-61CC-4603-A589-7422A47A8E4A}"/>
+      <thm15:themeFamily xmlns="" xmlns:thm15="http://schemas.microsoft.com/office/thememl/2012/main" name="Office Theme" id="{62F939B6-93AF-4DB8-9C6B-D6C7DFDC589F}" vid="{4A3C46E8-61CC-4603-A589-7422A47A8E4A}"/>
     </a:ext>
   </a:extLst>
 </a:theme>
@@ -8844,7 +8844,7 @@
   <a:extraClrSchemeLst/>
   <a:extLst>
     <a:ext uri="{05A4C25C-085E-4340-85A3-A5531E510DB2}">
-      <thm15:themeFamily xmlns:thm15="http://schemas.microsoft.com/office/thememl/2012/main" xmlns="" name="Office Theme" id="{62F939B6-93AF-4DB8-9C6B-D6C7DFDC589F}" vid="{4A3C46E8-61CC-4603-A589-7422A47A8E4A}"/>
+      <thm15:themeFamily xmlns="" xmlns:thm15="http://schemas.microsoft.com/office/thememl/2012/main" name="Office Theme" id="{62F939B6-93AF-4DB8-9C6B-D6C7DFDC589F}" vid="{4A3C46E8-61CC-4603-A589-7422A47A8E4A}"/>
     </a:ext>
   </a:extLst>
 </a:theme>

--- a/EmbeddedWorkshop-24-PiBluetooth.pptx
+++ b/EmbeddedWorkshop-24-PiBluetooth.pptx
@@ -130,7 +130,7 @@
   </p:defaultTextStyle>
   <p:extLst>
     <p:ext uri="{EFAFB233-063F-42B5-8137-9DF3F51BA10A}">
-      <p15:sldGuideLst xmlns="" xmlns:p15="http://schemas.microsoft.com/office/powerpoint/2012/main"/>
+      <p15:sldGuideLst xmlns:p15="http://schemas.microsoft.com/office/powerpoint/2012/main" xmlns=""/>
     </p:ext>
   </p:extLst>
 </p:presentation>
@@ -219,7 +219,7 @@
             <a:fld id="{3C92298D-9EDB-48DF-B0C5-8A2EA10FFED5}" type="datetimeFigureOut">
               <a:rPr lang="en-US" smtClean="0"/>
               <a:pPr/>
-              <a:t>25-Jan-18</a:t>
+              <a:t>29-Jul-17</a:t>
             </a:fld>
             <a:endParaRPr lang="en-US"/>
           </a:p>
@@ -388,7 +388,7 @@
     </p:spTree>
     <p:extLst>
       <p:ext uri="{BB962C8B-B14F-4D97-AF65-F5344CB8AC3E}">
-        <p14:creationId xmlns:p14="http://schemas.microsoft.com/office/powerpoint/2010/main" val="1135956462"/>
+        <p14:creationId xmlns:p14="http://schemas.microsoft.com/office/powerpoint/2010/main" xmlns="" val="1135956462"/>
       </p:ext>
     </p:extLst>
   </p:cSld>
@@ -563,7 +563,7 @@
     </p:spTree>
     <p:extLst>
       <p:ext uri="{BB962C8B-B14F-4D97-AF65-F5344CB8AC3E}">
-        <p14:creationId xmlns:p14="http://schemas.microsoft.com/office/powerpoint/2010/main" val="2926168316"/>
+        <p14:creationId xmlns:p14="http://schemas.microsoft.com/office/powerpoint/2010/main" xmlns="" val="2926168316"/>
       </p:ext>
     </p:extLst>
   </p:cSld>
@@ -705,7 +705,7 @@
             <a:fld id="{EDDD36BC-557A-4AD0-A736-04C1CCBD9344}" type="datetime1">
               <a:rPr lang="en-US" smtClean="0"/>
               <a:pPr/>
-              <a:t>25-Jan-18</a:t>
+              <a:t>29-Jul-17</a:t>
             </a:fld>
             <a:endParaRPr lang="en-US"/>
           </a:p>
@@ -761,7 +761,7 @@
     </p:spTree>
     <p:extLst>
       <p:ext uri="{BB962C8B-B14F-4D97-AF65-F5344CB8AC3E}">
-        <p14:creationId xmlns:p14="http://schemas.microsoft.com/office/powerpoint/2010/main" val="1127138101"/>
+        <p14:creationId xmlns:p14="http://schemas.microsoft.com/office/powerpoint/2010/main" xmlns="" val="1127138101"/>
       </p:ext>
     </p:extLst>
   </p:cSld>
@@ -881,7 +881,7 @@
             <a:fld id="{99D636E1-2FD0-4845-BF94-42C541D5AA0E}" type="datetime1">
               <a:rPr lang="en-US" smtClean="0"/>
               <a:pPr/>
-              <a:t>25-Jan-18</a:t>
+              <a:t>29-Jul-17</a:t>
             </a:fld>
             <a:endParaRPr lang="en-US"/>
           </a:p>
@@ -937,7 +937,7 @@
     </p:spTree>
     <p:extLst>
       <p:ext uri="{BB962C8B-B14F-4D97-AF65-F5344CB8AC3E}">
-        <p14:creationId xmlns:p14="http://schemas.microsoft.com/office/powerpoint/2010/main" val="725316745"/>
+        <p14:creationId xmlns:p14="http://schemas.microsoft.com/office/powerpoint/2010/main" xmlns="" val="725316745"/>
       </p:ext>
     </p:extLst>
   </p:cSld>
@@ -1067,7 +1067,7 @@
             <a:fld id="{05DFC26E-0FCC-424D-A8A8-F77677599ACB}" type="datetime1">
               <a:rPr lang="en-US" smtClean="0"/>
               <a:pPr/>
-              <a:t>25-Jan-18</a:t>
+              <a:t>29-Jul-17</a:t>
             </a:fld>
             <a:endParaRPr lang="en-US"/>
           </a:p>
@@ -1123,7 +1123,7 @@
     </p:spTree>
     <p:extLst>
       <p:ext uri="{BB962C8B-B14F-4D97-AF65-F5344CB8AC3E}">
-        <p14:creationId xmlns:p14="http://schemas.microsoft.com/office/powerpoint/2010/main" val="3074682827"/>
+        <p14:creationId xmlns:p14="http://schemas.microsoft.com/office/powerpoint/2010/main" xmlns="" val="3074682827"/>
       </p:ext>
     </p:extLst>
   </p:cSld>
@@ -1243,7 +1243,7 @@
             <a:fld id="{2708D28B-9207-4311-BE20-302986917177}" type="datetime1">
               <a:rPr lang="en-US" smtClean="0"/>
               <a:pPr/>
-              <a:t>25-Jan-18</a:t>
+              <a:t>29-Jul-17</a:t>
             </a:fld>
             <a:endParaRPr lang="en-US"/>
           </a:p>
@@ -1299,7 +1299,7 @@
     </p:spTree>
     <p:extLst>
       <p:ext uri="{BB962C8B-B14F-4D97-AF65-F5344CB8AC3E}">
-        <p14:creationId xmlns:p14="http://schemas.microsoft.com/office/powerpoint/2010/main" val="3252430866"/>
+        <p14:creationId xmlns:p14="http://schemas.microsoft.com/office/powerpoint/2010/main" xmlns="" val="3252430866"/>
       </p:ext>
     </p:extLst>
   </p:cSld>
@@ -1495,7 +1495,7 @@
             <a:fld id="{860EDE34-6930-4F07-9992-EC8423B349B5}" type="datetime1">
               <a:rPr lang="en-US" smtClean="0"/>
               <a:pPr/>
-              <a:t>25-Jan-18</a:t>
+              <a:t>29-Jul-17</a:t>
             </a:fld>
             <a:endParaRPr lang="en-US"/>
           </a:p>
@@ -1551,7 +1551,7 @@
     </p:spTree>
     <p:extLst>
       <p:ext uri="{BB962C8B-B14F-4D97-AF65-F5344CB8AC3E}">
-        <p14:creationId xmlns:p14="http://schemas.microsoft.com/office/powerpoint/2010/main" val="532733079"/>
+        <p14:creationId xmlns:p14="http://schemas.microsoft.com/office/powerpoint/2010/main" xmlns="" val="532733079"/>
       </p:ext>
     </p:extLst>
   </p:cSld>
@@ -1733,7 +1733,7 @@
             <a:fld id="{8A04DDAA-DA6B-404A-906E-206A4361D5CF}" type="datetime1">
               <a:rPr lang="en-US" smtClean="0"/>
               <a:pPr/>
-              <a:t>25-Jan-18</a:t>
+              <a:t>29-Jul-17</a:t>
             </a:fld>
             <a:endParaRPr lang="en-US"/>
           </a:p>
@@ -1789,7 +1789,7 @@
     </p:spTree>
     <p:extLst>
       <p:ext uri="{BB962C8B-B14F-4D97-AF65-F5344CB8AC3E}">
-        <p14:creationId xmlns:p14="http://schemas.microsoft.com/office/powerpoint/2010/main" val="47901394"/>
+        <p14:creationId xmlns:p14="http://schemas.microsoft.com/office/powerpoint/2010/main" xmlns="" val="47901394"/>
       </p:ext>
     </p:extLst>
   </p:cSld>
@@ -2106,7 +2106,7 @@
             <a:fld id="{F47B82F0-2026-4CD9-B624-8ED6324E2D2B}" type="datetime1">
               <a:rPr lang="en-US" smtClean="0"/>
               <a:pPr/>
-              <a:t>25-Jan-18</a:t>
+              <a:t>29-Jul-17</a:t>
             </a:fld>
             <a:endParaRPr lang="en-US"/>
           </a:p>
@@ -2162,7 +2162,7 @@
     </p:spTree>
     <p:extLst>
       <p:ext uri="{BB962C8B-B14F-4D97-AF65-F5344CB8AC3E}">
-        <p14:creationId xmlns:p14="http://schemas.microsoft.com/office/powerpoint/2010/main" val="953633637"/>
+        <p14:creationId xmlns:p14="http://schemas.microsoft.com/office/powerpoint/2010/main" xmlns="" val="953633637"/>
       </p:ext>
     </p:extLst>
   </p:cSld>
@@ -2230,7 +2230,7 @@
             <a:fld id="{EA64F203-4479-4DC7-A9A4-7CFEA38744A3}" type="datetime1">
               <a:rPr lang="en-US" smtClean="0"/>
               <a:pPr/>
-              <a:t>25-Jan-18</a:t>
+              <a:t>29-Jul-17</a:t>
             </a:fld>
             <a:endParaRPr lang="en-US"/>
           </a:p>
@@ -2286,7 +2286,7 @@
     </p:spTree>
     <p:extLst>
       <p:ext uri="{BB962C8B-B14F-4D97-AF65-F5344CB8AC3E}">
-        <p14:creationId xmlns:p14="http://schemas.microsoft.com/office/powerpoint/2010/main" val="2225048615"/>
+        <p14:creationId xmlns:p14="http://schemas.microsoft.com/office/powerpoint/2010/main" xmlns="" val="2225048615"/>
       </p:ext>
     </p:extLst>
   </p:cSld>
@@ -2331,7 +2331,7 @@
             <a:fld id="{4FE05928-A63D-487C-AC4D-70591B1797ED}" type="datetime1">
               <a:rPr lang="en-US" smtClean="0"/>
               <a:pPr/>
-              <a:t>25-Jan-18</a:t>
+              <a:t>29-Jul-17</a:t>
             </a:fld>
             <a:endParaRPr lang="en-US"/>
           </a:p>
@@ -2387,7 +2387,7 @@
     </p:spTree>
     <p:extLst>
       <p:ext uri="{BB962C8B-B14F-4D97-AF65-F5344CB8AC3E}">
-        <p14:creationId xmlns:p14="http://schemas.microsoft.com/office/powerpoint/2010/main" val="2301826568"/>
+        <p14:creationId xmlns:p14="http://schemas.microsoft.com/office/powerpoint/2010/main" xmlns="" val="2301826568"/>
       </p:ext>
     </p:extLst>
   </p:cSld>
@@ -2614,7 +2614,7 @@
             <a:fld id="{4B50C354-6770-4EBD-826A-84D6CB3068F3}" type="datetime1">
               <a:rPr lang="en-US" smtClean="0"/>
               <a:pPr/>
-              <a:t>25-Jan-18</a:t>
+              <a:t>29-Jul-17</a:t>
             </a:fld>
             <a:endParaRPr lang="en-US"/>
           </a:p>
@@ -2670,7 +2670,7 @@
     </p:spTree>
     <p:extLst>
       <p:ext uri="{BB962C8B-B14F-4D97-AF65-F5344CB8AC3E}">
-        <p14:creationId xmlns:p14="http://schemas.microsoft.com/office/powerpoint/2010/main" val="1821621305"/>
+        <p14:creationId xmlns:p14="http://schemas.microsoft.com/office/powerpoint/2010/main" xmlns="" val="1821621305"/>
       </p:ext>
     </p:extLst>
   </p:cSld>
@@ -2873,7 +2873,7 @@
             <a:fld id="{20EFABA4-89A4-4C8F-A847-C4BF7DC6E4DF}" type="datetime1">
               <a:rPr lang="en-US" smtClean="0"/>
               <a:pPr/>
-              <a:t>25-Jan-18</a:t>
+              <a:t>29-Jul-17</a:t>
             </a:fld>
             <a:endParaRPr lang="en-US"/>
           </a:p>
@@ -2929,7 +2929,7 @@
     </p:spTree>
     <p:extLst>
       <p:ext uri="{BB962C8B-B14F-4D97-AF65-F5344CB8AC3E}">
-        <p14:creationId xmlns:p14="http://schemas.microsoft.com/office/powerpoint/2010/main" val="3910190279"/>
+        <p14:creationId xmlns:p14="http://schemas.microsoft.com/office/powerpoint/2010/main" xmlns="" val="3910190279"/>
       </p:ext>
     </p:extLst>
   </p:cSld>
@@ -3092,7 +3092,7 @@
             <a:fld id="{B665B57D-FC44-4273-8296-D5548EFDB1CF}" type="datetime1">
               <a:rPr lang="en-US" smtClean="0"/>
               <a:pPr/>
-              <a:t>25-Jan-18</a:t>
+              <a:t>29-Jul-17</a:t>
             </a:fld>
             <a:endParaRPr lang="en-US"/>
           </a:p>
@@ -3184,7 +3184,7 @@
     </p:spTree>
     <p:extLst>
       <p:ext uri="{BB962C8B-B14F-4D97-AF65-F5344CB8AC3E}">
-        <p14:creationId xmlns:p14="http://schemas.microsoft.com/office/powerpoint/2010/main" val="41393802"/>
+        <p14:creationId xmlns:p14="http://schemas.microsoft.com/office/powerpoint/2010/main" xmlns="" val="41393802"/>
       </p:ext>
     </p:extLst>
   </p:cSld>
@@ -3520,11 +3520,7 @@
           <a:p>
             <a:r>
               <a:rPr lang="en-US" dirty="0" smtClean="0"/>
-              <a:t>Embedded Programming and </a:t>
-            </a:r>
-            <a:r>
-              <a:rPr lang="en-US" smtClean="0"/>
-              <a:t>Roboticss</a:t>
+              <a:t>Embedded Programming and Robotics</a:t>
             </a:r>
             <a:endParaRPr lang="en-US" dirty="0"/>
           </a:p>
@@ -3553,7 +3549,11 @@
           <a:p>
             <a:r>
               <a:rPr lang="en-US" dirty="0" smtClean="0"/>
-              <a:t>Bluetooth and the Raspberry Pi</a:t>
+              <a:t>Bluetooth and the Raspberry </a:t>
+            </a:r>
+            <a:r>
+              <a:rPr lang="en-US" dirty="0" smtClean="0"/>
+              <a:t>Pi</a:t>
             </a:r>
           </a:p>
           <a:p>
@@ -3615,7 +3615,7 @@
     </p:spTree>
     <p:extLst>
       <p:ext uri="{BB962C8B-B14F-4D97-AF65-F5344CB8AC3E}">
-        <p14:creationId xmlns:p14="http://schemas.microsoft.com/office/powerpoint/2010/main" val="1941981202"/>
+        <p14:creationId xmlns:p14="http://schemas.microsoft.com/office/powerpoint/2010/main" xmlns="" val="1941981202"/>
       </p:ext>
     </p:extLst>
   </p:cSld>
@@ -3757,7 +3757,7 @@
     </p:spTree>
     <p:extLst>
       <p:ext uri="{BB962C8B-B14F-4D97-AF65-F5344CB8AC3E}">
-        <p14:creationId xmlns:p14="http://schemas.microsoft.com/office/powerpoint/2010/main" val="2017308531"/>
+        <p14:creationId xmlns:p14="http://schemas.microsoft.com/office/powerpoint/2010/main" xmlns="" val="2017308531"/>
       </p:ext>
     </p:extLst>
   </p:cSld>
@@ -3939,7 +3939,7 @@
     </p:spTree>
     <p:extLst>
       <p:ext uri="{BB962C8B-B14F-4D97-AF65-F5344CB8AC3E}">
-        <p14:creationId xmlns:p14="http://schemas.microsoft.com/office/powerpoint/2010/main" val="1486655085"/>
+        <p14:creationId xmlns:p14="http://schemas.microsoft.com/office/powerpoint/2010/main" xmlns="" val="1486655085"/>
       </p:ext>
     </p:extLst>
   </p:cSld>
@@ -4177,7 +4177,7 @@
     </p:spTree>
     <p:extLst>
       <p:ext uri="{BB962C8B-B14F-4D97-AF65-F5344CB8AC3E}">
-        <p14:creationId xmlns:p14="http://schemas.microsoft.com/office/powerpoint/2010/main" val="508579078"/>
+        <p14:creationId xmlns:p14="http://schemas.microsoft.com/office/powerpoint/2010/main" xmlns="" val="508579078"/>
       </p:ext>
     </p:extLst>
   </p:cSld>
@@ -4453,7 +4453,7 @@
     </p:spTree>
     <p:extLst>
       <p:ext uri="{BB962C8B-B14F-4D97-AF65-F5344CB8AC3E}">
-        <p14:creationId xmlns:p14="http://schemas.microsoft.com/office/powerpoint/2010/main" val="4040865442"/>
+        <p14:creationId xmlns:p14="http://schemas.microsoft.com/office/powerpoint/2010/main" xmlns="" val="4040865442"/>
       </p:ext>
     </p:extLst>
   </p:cSld>
@@ -4650,7 +4650,7 @@
     </p:spTree>
     <p:extLst>
       <p:ext uri="{BB962C8B-B14F-4D97-AF65-F5344CB8AC3E}">
-        <p14:creationId xmlns:p14="http://schemas.microsoft.com/office/powerpoint/2010/main" val="2849132824"/>
+        <p14:creationId xmlns:p14="http://schemas.microsoft.com/office/powerpoint/2010/main" xmlns="" val="2849132824"/>
       </p:ext>
     </p:extLst>
   </p:cSld>
@@ -4837,7 +4837,7 @@
     </p:spTree>
     <p:extLst>
       <p:ext uri="{BB962C8B-B14F-4D97-AF65-F5344CB8AC3E}">
-        <p14:creationId xmlns:p14="http://schemas.microsoft.com/office/powerpoint/2010/main" val="2584317330"/>
+        <p14:creationId xmlns:p14="http://schemas.microsoft.com/office/powerpoint/2010/main" xmlns="" val="2584317330"/>
       </p:ext>
     </p:extLst>
   </p:cSld>
@@ -5168,7 +5168,7 @@
     </p:spTree>
     <p:extLst>
       <p:ext uri="{BB962C8B-B14F-4D97-AF65-F5344CB8AC3E}">
-        <p14:creationId xmlns:p14="http://schemas.microsoft.com/office/powerpoint/2010/main" val="531185944"/>
+        <p14:creationId xmlns:p14="http://schemas.microsoft.com/office/powerpoint/2010/main" xmlns="" val="531185944"/>
       </p:ext>
     </p:extLst>
   </p:cSld>
@@ -5396,7 +5396,7 @@
     </p:spTree>
     <p:extLst>
       <p:ext uri="{BB962C8B-B14F-4D97-AF65-F5344CB8AC3E}">
-        <p14:creationId xmlns:p14="http://schemas.microsoft.com/office/powerpoint/2010/main" val="782082746"/>
+        <p14:creationId xmlns:p14="http://schemas.microsoft.com/office/powerpoint/2010/main" xmlns="" val="782082746"/>
       </p:ext>
     </p:extLst>
   </p:cSld>
@@ -5547,7 +5547,7 @@
     </p:spTree>
     <p:extLst>
       <p:ext uri="{BB962C8B-B14F-4D97-AF65-F5344CB8AC3E}">
-        <p14:creationId xmlns:p14="http://schemas.microsoft.com/office/powerpoint/2010/main" val="752327009"/>
+        <p14:creationId xmlns:p14="http://schemas.microsoft.com/office/powerpoint/2010/main" xmlns="" val="752327009"/>
       </p:ext>
     </p:extLst>
   </p:cSld>
@@ -5899,7 +5899,7 @@
     </p:spTree>
     <p:extLst>
       <p:ext uri="{BB962C8B-B14F-4D97-AF65-F5344CB8AC3E}">
-        <p14:creationId xmlns:p14="http://schemas.microsoft.com/office/powerpoint/2010/main" val="2540822986"/>
+        <p14:creationId xmlns:p14="http://schemas.microsoft.com/office/powerpoint/2010/main" xmlns="" val="2540822986"/>
       </p:ext>
     </p:extLst>
   </p:cSld>
@@ -6050,7 +6050,7 @@
     </p:spTree>
     <p:extLst>
       <p:ext uri="{BB962C8B-B14F-4D97-AF65-F5344CB8AC3E}">
-        <p14:creationId xmlns:p14="http://schemas.microsoft.com/office/powerpoint/2010/main" val="567497801"/>
+        <p14:creationId xmlns:p14="http://schemas.microsoft.com/office/powerpoint/2010/main" xmlns="" val="567497801"/>
       </p:ext>
     </p:extLst>
   </p:cSld>
@@ -6192,7 +6192,7 @@
     </p:spTree>
     <p:extLst>
       <p:ext uri="{BB962C8B-B14F-4D97-AF65-F5344CB8AC3E}">
-        <p14:creationId xmlns:p14="http://schemas.microsoft.com/office/powerpoint/2010/main" val="1720540694"/>
+        <p14:creationId xmlns:p14="http://schemas.microsoft.com/office/powerpoint/2010/main" xmlns="" val="1720540694"/>
       </p:ext>
     </p:extLst>
   </p:cSld>
@@ -6352,7 +6352,7 @@
     </p:spTree>
     <p:extLst>
       <p:ext uri="{BB962C8B-B14F-4D97-AF65-F5344CB8AC3E}">
-        <p14:creationId xmlns:p14="http://schemas.microsoft.com/office/powerpoint/2010/main" val="23416161"/>
+        <p14:creationId xmlns:p14="http://schemas.microsoft.com/office/powerpoint/2010/main" xmlns="" val="23416161"/>
       </p:ext>
     </p:extLst>
   </p:cSld>
@@ -6502,7 +6502,7 @@
     </p:spTree>
     <p:extLst>
       <p:ext uri="{BB962C8B-B14F-4D97-AF65-F5344CB8AC3E}">
-        <p14:creationId xmlns:p14="http://schemas.microsoft.com/office/powerpoint/2010/main" val="3401110329"/>
+        <p14:creationId xmlns:p14="http://schemas.microsoft.com/office/powerpoint/2010/main" xmlns="" val="3401110329"/>
       </p:ext>
     </p:extLst>
   </p:cSld>
@@ -6976,7 +6976,7 @@
     </p:spTree>
     <p:extLst>
       <p:ext uri="{BB962C8B-B14F-4D97-AF65-F5344CB8AC3E}">
-        <p14:creationId xmlns:p14="http://schemas.microsoft.com/office/powerpoint/2010/main" val="1861438526"/>
+        <p14:creationId xmlns:p14="http://schemas.microsoft.com/office/powerpoint/2010/main" xmlns="" val="1861438526"/>
       </p:ext>
     </p:extLst>
   </p:cSld>
@@ -7135,7 +7135,7 @@
     </p:spTree>
     <p:extLst>
       <p:ext uri="{BB962C8B-B14F-4D97-AF65-F5344CB8AC3E}">
-        <p14:creationId xmlns:p14="http://schemas.microsoft.com/office/powerpoint/2010/main" val="1919745688"/>
+        <p14:creationId xmlns:p14="http://schemas.microsoft.com/office/powerpoint/2010/main" xmlns="" val="1919745688"/>
       </p:ext>
     </p:extLst>
   </p:cSld>
@@ -7301,7 +7301,7 @@
     </p:spTree>
     <p:extLst>
       <p:ext uri="{BB962C8B-B14F-4D97-AF65-F5344CB8AC3E}">
-        <p14:creationId xmlns:p14="http://schemas.microsoft.com/office/powerpoint/2010/main" val="447040597"/>
+        <p14:creationId xmlns:p14="http://schemas.microsoft.com/office/powerpoint/2010/main" xmlns="" val="447040597"/>
       </p:ext>
     </p:extLst>
   </p:cSld>
@@ -7611,7 +7611,7 @@
     </p:spTree>
     <p:extLst>
       <p:ext uri="{BB962C8B-B14F-4D97-AF65-F5344CB8AC3E}">
-        <p14:creationId xmlns:p14="http://schemas.microsoft.com/office/powerpoint/2010/main" val="1161748522"/>
+        <p14:creationId xmlns:p14="http://schemas.microsoft.com/office/powerpoint/2010/main" xmlns="" val="1161748522"/>
       </p:ext>
     </p:extLst>
   </p:cSld>
@@ -7778,7 +7778,7 @@
     </p:spTree>
     <p:extLst>
       <p:ext uri="{BB962C8B-B14F-4D97-AF65-F5344CB8AC3E}">
-        <p14:creationId xmlns:p14="http://schemas.microsoft.com/office/powerpoint/2010/main" val="3847742620"/>
+        <p14:creationId xmlns:p14="http://schemas.microsoft.com/office/powerpoint/2010/main" xmlns="" val="3847742620"/>
       </p:ext>
     </p:extLst>
   </p:cSld>
@@ -8121,7 +8121,7 @@
     </p:spTree>
     <p:extLst>
       <p:ext uri="{BB962C8B-B14F-4D97-AF65-F5344CB8AC3E}">
-        <p14:creationId xmlns:p14="http://schemas.microsoft.com/office/powerpoint/2010/main" val="3261637153"/>
+        <p14:creationId xmlns:p14="http://schemas.microsoft.com/office/powerpoint/2010/main" xmlns="" val="3261637153"/>
       </p:ext>
     </p:extLst>
   </p:cSld>
@@ -8311,7 +8311,7 @@
     </p:spTree>
     <p:extLst>
       <p:ext uri="{BB962C8B-B14F-4D97-AF65-F5344CB8AC3E}">
-        <p14:creationId xmlns:p14="http://schemas.microsoft.com/office/powerpoint/2010/main" val="2223907048"/>
+        <p14:creationId xmlns:p14="http://schemas.microsoft.com/office/powerpoint/2010/main" xmlns="" val="2223907048"/>
       </p:ext>
     </p:extLst>
   </p:cSld>
@@ -8583,7 +8583,7 @@
   <a:extraClrSchemeLst/>
   <a:extLst>
     <a:ext uri="{05A4C25C-085E-4340-85A3-A5531E510DB2}">
-      <thm15:themeFamily xmlns="" xmlns:thm15="http://schemas.microsoft.com/office/thememl/2012/main" name="Office Theme" id="{62F939B6-93AF-4DB8-9C6B-D6C7DFDC589F}" vid="{4A3C46E8-61CC-4603-A589-7422A47A8E4A}"/>
+      <thm15:themeFamily xmlns:thm15="http://schemas.microsoft.com/office/thememl/2012/main" xmlns="" name="Office Theme" id="{62F939B6-93AF-4DB8-9C6B-D6C7DFDC589F}" vid="{4A3C46E8-61CC-4603-A589-7422A47A8E4A}"/>
     </a:ext>
   </a:extLst>
 </a:theme>
@@ -8844,7 +8844,7 @@
   <a:extraClrSchemeLst/>
   <a:extLst>
     <a:ext uri="{05A4C25C-085E-4340-85A3-A5531E510DB2}">
-      <thm15:themeFamily xmlns="" xmlns:thm15="http://schemas.microsoft.com/office/thememl/2012/main" name="Office Theme" id="{62F939B6-93AF-4DB8-9C6B-D6C7DFDC589F}" vid="{4A3C46E8-61CC-4603-A589-7422A47A8E4A}"/>
+      <thm15:themeFamily xmlns:thm15="http://schemas.microsoft.com/office/thememl/2012/main" xmlns="" name="Office Theme" id="{62F939B6-93AF-4DB8-9C6B-D6C7DFDC589F}" vid="{4A3C46E8-61CC-4603-A589-7422A47A8E4A}"/>
     </a:ext>
   </a:extLst>
 </a:theme>
